--- a/1112進捗.pptx
+++ b/1112進捗.pptx
@@ -5,13 +5,15 @@
     <p:sldMasterId id="2147483648" r:id="rId1"/>
   </p:sldMasterIdLst>
   <p:notesMasterIdLst>
-    <p:notesMasterId r:id="rId6"/>
+    <p:notesMasterId r:id="rId8"/>
   </p:notesMasterIdLst>
   <p:sldIdLst>
     <p:sldId id="256" r:id="rId2"/>
     <p:sldId id="257" r:id="rId3"/>
     <p:sldId id="259" r:id="rId4"/>
-    <p:sldId id="258" r:id="rId5"/>
+    <p:sldId id="260" r:id="rId5"/>
+    <p:sldId id="261" r:id="rId6"/>
+    <p:sldId id="258" r:id="rId7"/>
   </p:sldIdLst>
   <p:sldSz cx="9144000" cy="6858000" type="screen4x3"/>
   <p:notesSz cx="6858000" cy="9144000"/>
@@ -118,6 +120,8 @@
             <p14:sldId id="256"/>
             <p14:sldId id="257"/>
             <p14:sldId id="259"/>
+            <p14:sldId id="260"/>
+            <p14:sldId id="261"/>
             <p14:sldId id="258"/>
           </p14:sldIdLst>
         </p14:section>
@@ -226,7 +230,7 @@
           <a:p>
             <a:fld id="{803DD6A6-FCD2-4EE7-8E6E-99C1A1F687BC}" type="datetimeFigureOut">
               <a:rPr kumimoji="1" lang="ja-JP" altLang="en-US" smtClean="0"/>
-              <a:t>2018/11/6</a:t>
+              <a:t>2018/11/12</a:t>
             </a:fld>
             <a:endParaRPr kumimoji="1" lang="ja-JP" altLang="en-US"/>
           </a:p>
@@ -911,7 +915,7 @@
           <a:p>
             <a:fld id="{0C2D592E-2292-4305-9592-EC97400E21B7}" type="datetime1">
               <a:rPr kumimoji="1" lang="ja-JP" altLang="en-US" smtClean="0"/>
-              <a:t>2018/11/6</a:t>
+              <a:t>2018/11/12</a:t>
             </a:fld>
             <a:endParaRPr kumimoji="1" lang="ja-JP" altLang="en-US"/>
           </a:p>
@@ -1121,7 +1125,7 @@
           <a:p>
             <a:fld id="{E508CA83-B01D-4BAB-B4E2-CF9244F45EF5}" type="datetime1">
               <a:rPr kumimoji="1" lang="ja-JP" altLang="en-US" smtClean="0"/>
-              <a:t>2018/11/6</a:t>
+              <a:t>2018/11/12</a:t>
             </a:fld>
             <a:endParaRPr kumimoji="1" lang="ja-JP" altLang="en-US"/>
           </a:p>
@@ -1326,7 +1330,7 @@
           <a:p>
             <a:fld id="{01E93D1F-BE2F-43FF-9803-5758F1FF87BE}" type="datetime1">
               <a:rPr kumimoji="1" lang="ja-JP" altLang="en-US" smtClean="0"/>
-              <a:t>2018/11/6</a:t>
+              <a:t>2018/11/12</a:t>
             </a:fld>
             <a:endParaRPr kumimoji="1" lang="ja-JP" altLang="en-US"/>
           </a:p>
@@ -1643,7 +1647,7 @@
           <a:p>
             <a:fld id="{EFA39CE0-7535-4E0E-AFE3-F465E7C7C0FF}" type="datetime1">
               <a:rPr kumimoji="1" lang="ja-JP" altLang="en-US" smtClean="0"/>
-              <a:t>2018/11/6</a:t>
+              <a:t>2018/11/12</a:t>
             </a:fld>
             <a:endParaRPr kumimoji="1" lang="ja-JP" altLang="en-US"/>
           </a:p>
@@ -1992,7 +1996,7 @@
           <a:p>
             <a:fld id="{D45C9DD0-C75C-4A45-9030-13826D815CA0}" type="datetime1">
               <a:rPr kumimoji="1" lang="ja-JP" altLang="en-US" smtClean="0"/>
-              <a:t>2018/11/6</a:t>
+              <a:t>2018/11/12</a:t>
             </a:fld>
             <a:endParaRPr kumimoji="1" lang="ja-JP" altLang="en-US"/>
           </a:p>
@@ -2475,7 +2479,7 @@
           <a:p>
             <a:fld id="{CCA1C7AD-18BB-4F25-AC23-F39BF79F4D77}" type="datetime1">
               <a:rPr kumimoji="1" lang="ja-JP" altLang="en-US" smtClean="0"/>
-              <a:t>2018/11/6</a:t>
+              <a:t>2018/11/12</a:t>
             </a:fld>
             <a:endParaRPr kumimoji="1" lang="ja-JP" altLang="en-US"/>
           </a:p>
@@ -2592,7 +2596,7 @@
           <a:p>
             <a:fld id="{AF8EE08C-AC9E-42E7-9719-2A54CCDFBD7D}" type="datetime1">
               <a:rPr kumimoji="1" lang="ja-JP" altLang="en-US" smtClean="0"/>
-              <a:t>2018/11/6</a:t>
+              <a:t>2018/11/12</a:t>
             </a:fld>
             <a:endParaRPr kumimoji="1" lang="ja-JP" altLang="en-US"/>
           </a:p>
@@ -2687,7 +2691,7 @@
           <a:p>
             <a:fld id="{B8073CA2-C66C-41D1-B499-CAA6DB7D7D3A}" type="datetime1">
               <a:rPr kumimoji="1" lang="ja-JP" altLang="en-US" smtClean="0"/>
-              <a:t>2018/11/6</a:t>
+              <a:t>2018/11/12</a:t>
             </a:fld>
             <a:endParaRPr kumimoji="1" lang="ja-JP" altLang="en-US"/>
           </a:p>
@@ -2994,7 +2998,7 @@
           <a:p>
             <a:fld id="{DFBD8235-0C14-4155-9991-B1E146E33912}" type="datetime1">
               <a:rPr kumimoji="1" lang="ja-JP" altLang="en-US" smtClean="0"/>
-              <a:t>2018/11/6</a:t>
+              <a:t>2018/11/12</a:t>
             </a:fld>
             <a:endParaRPr kumimoji="1" lang="ja-JP" altLang="en-US"/>
           </a:p>
@@ -3249,7 +3253,7 @@
           <a:p>
             <a:fld id="{2A91B658-7182-4FD9-A82F-002C38D9BA43}" type="datetime1">
               <a:rPr kumimoji="1" lang="ja-JP" altLang="en-US" smtClean="0"/>
-              <a:t>2018/11/6</a:t>
+              <a:t>2018/11/12</a:t>
             </a:fld>
             <a:endParaRPr kumimoji="1" lang="ja-JP" altLang="en-US"/>
           </a:p>
@@ -3492,7 +3496,7 @@
           <a:p>
             <a:fld id="{5EABF07F-C525-453C-82CD-1DECD51CCA53}" type="datetime1">
               <a:rPr kumimoji="1" lang="ja-JP" altLang="en-US" smtClean="0"/>
-              <a:t>2018/11/6</a:t>
+              <a:t>2018/11/12</a:t>
             </a:fld>
             <a:endParaRPr kumimoji="1" lang="ja-JP" altLang="en-US"/>
           </a:p>
@@ -4004,7 +4008,60 @@
           <a:bodyPr/>
           <a:lstStyle/>
           <a:p>
-            <a:endParaRPr kumimoji="1" lang="ja-JP" altLang="en-US"/>
+            <a:pPr marL="514350" indent="-514350">
+              <a:buFont typeface="+mj-lt"/>
+              <a:buAutoNum type="arabicPeriod"/>
+            </a:pPr>
+            <a:r>
+              <a:rPr kumimoji="1" lang="ja-JP" altLang="en-US"/>
+              <a:t>シミュレータの進捗</a:t>
+            </a:r>
+            <a:endParaRPr kumimoji="1" lang="en-US" altLang="ja-JP" dirty="0"/>
+          </a:p>
+          <a:p>
+            <a:pPr marL="514350" indent="-514350">
+              <a:buFont typeface="+mj-lt"/>
+              <a:buAutoNum type="arabicPeriod"/>
+            </a:pPr>
+            <a:endParaRPr lang="en-US" altLang="ja-JP" dirty="0"/>
+          </a:p>
+          <a:p>
+            <a:pPr marL="514350" indent="-514350">
+              <a:buFont typeface="+mj-lt"/>
+              <a:buAutoNum type="arabicPeriod"/>
+            </a:pPr>
+            <a:r>
+              <a:rPr kumimoji="1" lang="en-US" altLang="ja-JP" dirty="0"/>
+              <a:t>LTI</a:t>
+            </a:r>
+            <a:r>
+              <a:rPr kumimoji="1" lang="ja-JP" altLang="en-US"/>
+              <a:t>の進捗</a:t>
+            </a:r>
+            <a:endParaRPr kumimoji="1" lang="en-US" altLang="ja-JP" dirty="0"/>
+          </a:p>
+          <a:p>
+            <a:pPr marL="514350" indent="-514350">
+              <a:buFont typeface="+mj-lt"/>
+              <a:buAutoNum type="arabicPeriod"/>
+            </a:pPr>
+            <a:endParaRPr lang="en-US" altLang="ja-JP" dirty="0"/>
+          </a:p>
+          <a:p>
+            <a:pPr marL="514350" indent="-514350">
+              <a:buFont typeface="+mj-lt"/>
+              <a:buAutoNum type="arabicPeriod"/>
+            </a:pPr>
+            <a:r>
+              <a:rPr kumimoji="1" lang="ja-JP" altLang="en-US"/>
+              <a:t>課題</a:t>
+            </a:r>
+          </a:p>
+          <a:p>
+            <a:pPr marL="800100" lvl="2" indent="0">
+              <a:buNone/>
+            </a:pPr>
+            <a:endParaRPr kumimoji="1" lang="en-US" altLang="ja-JP" dirty="0"/>
           </a:p>
         </p:txBody>
       </p:sp>
@@ -4118,7 +4175,54 @@
           <a:bodyPr/>
           <a:lstStyle/>
           <a:p>
-            <a:endParaRPr kumimoji="1" lang="ja-JP" altLang="en-US"/>
+            <a:endParaRPr kumimoji="1" lang="en-US" altLang="ja-JP" dirty="0"/>
+          </a:p>
+          <a:p>
+            <a:r>
+              <a:rPr kumimoji="1" lang="ja-JP" altLang="en-US"/>
+              <a:t>画像を認識しての</a:t>
+            </a:r>
+            <a:r>
+              <a:rPr kumimoji="1" lang="en-US" altLang="ja-JP" dirty="0"/>
+              <a:t>LAN</a:t>
+            </a:r>
+            <a:r>
+              <a:rPr kumimoji="1" lang="ja-JP" altLang="en-US"/>
+              <a:t>モードの実装</a:t>
+            </a:r>
+            <a:endParaRPr kumimoji="1" lang="en-US" altLang="ja-JP" dirty="0"/>
+          </a:p>
+          <a:p>
+            <a:endParaRPr lang="en-US" altLang="ja-JP" dirty="0"/>
+          </a:p>
+          <a:p>
+            <a:r>
+              <a:rPr kumimoji="1" lang="ja-JP" altLang="en-US"/>
+              <a:t>大まかな見た目の完成</a:t>
+            </a:r>
+            <a:endParaRPr kumimoji="1" lang="en-US" altLang="ja-JP" dirty="0"/>
+          </a:p>
+          <a:p>
+            <a:endParaRPr lang="en-US" altLang="ja-JP" dirty="0"/>
+          </a:p>
+          <a:p>
+            <a:r>
+              <a:rPr kumimoji="1" lang="ja-JP" altLang="en-US"/>
+              <a:t>静的な独自の右クリック実装</a:t>
+            </a:r>
+            <a:endParaRPr kumimoji="1" lang="en-US" altLang="ja-JP" dirty="0"/>
+          </a:p>
+          <a:p>
+            <a:endParaRPr lang="en-US" altLang="ja-JP" dirty="0"/>
+          </a:p>
+          <a:p>
+            <a:endParaRPr kumimoji="1" lang="en-US" altLang="ja-JP" dirty="0"/>
+          </a:p>
+          <a:p>
+            <a:endParaRPr lang="en-US" altLang="ja-JP" dirty="0"/>
+          </a:p>
+          <a:p>
+            <a:endParaRPr kumimoji="1" lang="en-US" altLang="ja-JP" dirty="0"/>
           </a:p>
         </p:txBody>
       </p:sp>
@@ -4188,6 +4292,355 @@
           <p:cNvPr id="2" name="タイトル 1">
             <a:extLst>
               <a:ext uri="{FF2B5EF4-FFF2-40B4-BE49-F238E27FC236}">
+                <a16:creationId xmlns:a16="http://schemas.microsoft.com/office/drawing/2014/main" id="{223AE7BD-90DC-544B-8A08-307505ECB716}"/>
+              </a:ext>
+            </a:extLst>
+          </p:cNvPr>
+          <p:cNvSpPr>
+            <a:spLocks noGrp="1"/>
+          </p:cNvSpPr>
+          <p:nvPr>
+            <p:ph type="title"/>
+          </p:nvPr>
+        </p:nvSpPr>
+        <p:spPr/>
+        <p:txBody>
+          <a:bodyPr/>
+          <a:lstStyle/>
+          <a:p>
+            <a:r>
+              <a:rPr kumimoji="1" lang="ja-JP" altLang="en-US"/>
+              <a:t>見た目</a:t>
+            </a:r>
+          </a:p>
+        </p:txBody>
+      </p:sp>
+      <p:pic>
+        <p:nvPicPr>
+          <p:cNvPr id="6" name="コンテンツ プレースホルダー 5">
+            <a:extLst>
+              <a:ext uri="{FF2B5EF4-FFF2-40B4-BE49-F238E27FC236}">
+                <a16:creationId xmlns:a16="http://schemas.microsoft.com/office/drawing/2014/main" id="{5C49E655-B5CD-234A-8DE7-FECF0E82A6C3}"/>
+              </a:ext>
+            </a:extLst>
+          </p:cNvPr>
+          <p:cNvPicPr>
+            <a:picLocks noGrp="1" noChangeAspect="1"/>
+          </p:cNvPicPr>
+          <p:nvPr>
+            <p:ph idx="1"/>
+          </p:nvPr>
+        </p:nvPicPr>
+        <p:blipFill>
+          <a:blip r:embed="rId2">
+            <a:extLst>
+              <a:ext uri="{28A0092B-C50C-407E-A947-70E740481C1C}">
+                <a14:useLocalDpi xmlns:a14="http://schemas.microsoft.com/office/drawing/2010/main" val="0"/>
+              </a:ext>
+            </a:extLst>
+          </a:blip>
+          <a:stretch>
+            <a:fillRect/>
+          </a:stretch>
+        </p:blipFill>
+        <p:spPr>
+          <a:xfrm>
+            <a:off x="1248068" y="1417638"/>
+            <a:ext cx="6674503" cy="4525963"/>
+          </a:xfrm>
+        </p:spPr>
+      </p:pic>
+      <p:sp>
+        <p:nvSpPr>
+          <p:cNvPr id="4" name="スライド番号プレースホルダー 3">
+            <a:extLst>
+              <a:ext uri="{FF2B5EF4-FFF2-40B4-BE49-F238E27FC236}">
+                <a16:creationId xmlns:a16="http://schemas.microsoft.com/office/drawing/2014/main" id="{8D1A40CD-94CE-EA4D-9E10-FB2874BFC881}"/>
+              </a:ext>
+            </a:extLst>
+          </p:cNvPr>
+          <p:cNvSpPr>
+            <a:spLocks noGrp="1"/>
+          </p:cNvSpPr>
+          <p:nvPr>
+            <p:ph type="sldNum" sz="quarter" idx="12"/>
+          </p:nvPr>
+        </p:nvSpPr>
+        <p:spPr/>
+        <p:txBody>
+          <a:bodyPr/>
+          <a:lstStyle/>
+          <a:p>
+            <a:pPr algn="ctr"/>
+            <a:fld id="{CA23F248-F353-4F36-A746-B1953A38AE2D}" type="slidenum">
+              <a:rPr lang="ja-JP" altLang="en-US" smtClean="0"/>
+              <a:pPr algn="ctr"/>
+              <a:t>4</a:t>
+            </a:fld>
+            <a:endParaRPr lang="ja-JP" altLang="en-US" dirty="0"/>
+          </a:p>
+        </p:txBody>
+      </p:sp>
+    </p:spTree>
+    <p:extLst>
+      <p:ext uri="{BB962C8B-B14F-4D97-AF65-F5344CB8AC3E}">
+        <p14:creationId xmlns:p14="http://schemas.microsoft.com/office/powerpoint/2010/main" val="2376762460"/>
+      </p:ext>
+    </p:extLst>
+  </p:cSld>
+  <p:clrMapOvr>
+    <a:masterClrMapping/>
+  </p:clrMapOvr>
+</p:sld>
+</file>
+
+<file path=ppt/slides/slide5.xml><?xml version="1.0" encoding="utf-8"?>
+<p:sld xmlns:a="http://schemas.openxmlformats.org/drawingml/2006/main" xmlns:r="http://schemas.openxmlformats.org/officeDocument/2006/relationships" xmlns:p="http://schemas.openxmlformats.org/presentationml/2006/main">
+  <p:cSld>
+    <p:spTree>
+      <p:nvGrpSpPr>
+        <p:cNvPr id="1" name=""/>
+        <p:cNvGrpSpPr/>
+        <p:nvPr/>
+      </p:nvGrpSpPr>
+      <p:grpSpPr>
+        <a:xfrm>
+          <a:off x="0" y="0"/>
+          <a:ext cx="0" cy="0"/>
+          <a:chOff x="0" y="0"/>
+          <a:chExt cx="0" cy="0"/>
+        </a:xfrm>
+      </p:grpSpPr>
+      <p:sp>
+        <p:nvSpPr>
+          <p:cNvPr id="2" name="タイトル 1">
+            <a:extLst>
+              <a:ext uri="{FF2B5EF4-FFF2-40B4-BE49-F238E27FC236}">
+                <a16:creationId xmlns:a16="http://schemas.microsoft.com/office/drawing/2014/main" id="{5D838C01-F12B-C44E-95A9-551F29DD0A07}"/>
+              </a:ext>
+            </a:extLst>
+          </p:cNvPr>
+          <p:cNvSpPr>
+            <a:spLocks noGrp="1"/>
+          </p:cNvSpPr>
+          <p:nvPr>
+            <p:ph type="title"/>
+          </p:nvPr>
+        </p:nvSpPr>
+        <p:spPr/>
+        <p:txBody>
+          <a:bodyPr/>
+          <a:lstStyle/>
+          <a:p>
+            <a:r>
+              <a:rPr kumimoji="1" lang="ja-JP" altLang="en-US"/>
+              <a:t>右クリック</a:t>
+            </a:r>
+          </a:p>
+        </p:txBody>
+      </p:sp>
+      <p:sp>
+        <p:nvSpPr>
+          <p:cNvPr id="4" name="スライド番号プレースホルダー 3">
+            <a:extLst>
+              <a:ext uri="{FF2B5EF4-FFF2-40B4-BE49-F238E27FC236}">
+                <a16:creationId xmlns:a16="http://schemas.microsoft.com/office/drawing/2014/main" id="{7CF60434-FABB-9A4B-929C-9FF9564ADB0C}"/>
+              </a:ext>
+            </a:extLst>
+          </p:cNvPr>
+          <p:cNvSpPr>
+            <a:spLocks noGrp="1"/>
+          </p:cNvSpPr>
+          <p:nvPr>
+            <p:ph type="sldNum" sz="quarter" idx="12"/>
+          </p:nvPr>
+        </p:nvSpPr>
+        <p:spPr/>
+        <p:txBody>
+          <a:bodyPr/>
+          <a:lstStyle/>
+          <a:p>
+            <a:pPr algn="ctr"/>
+            <a:fld id="{CA23F248-F353-4F36-A746-B1953A38AE2D}" type="slidenum">
+              <a:rPr lang="ja-JP" altLang="en-US" smtClean="0"/>
+              <a:pPr algn="ctr"/>
+              <a:t>5</a:t>
+            </a:fld>
+            <a:endParaRPr lang="ja-JP" altLang="en-US" dirty="0"/>
+          </a:p>
+        </p:txBody>
+      </p:sp>
+      <p:pic>
+        <p:nvPicPr>
+          <p:cNvPr id="11" name="コンテンツ プレースホルダー 10">
+            <a:extLst>
+              <a:ext uri="{FF2B5EF4-FFF2-40B4-BE49-F238E27FC236}">
+                <a16:creationId xmlns:a16="http://schemas.microsoft.com/office/drawing/2014/main" id="{FCA110D9-3544-004E-9A31-BBD154CA5D13}"/>
+              </a:ext>
+            </a:extLst>
+          </p:cNvPr>
+          <p:cNvPicPr>
+            <a:picLocks noGrp="1" noChangeAspect="1"/>
+          </p:cNvPicPr>
+          <p:nvPr>
+            <p:ph idx="1"/>
+          </p:nvPr>
+        </p:nvPicPr>
+        <p:blipFill>
+          <a:blip r:embed="rId2">
+            <a:extLst>
+              <a:ext uri="{28A0092B-C50C-407E-A947-70E740481C1C}">
+                <a14:useLocalDpi xmlns:a14="http://schemas.microsoft.com/office/drawing/2010/main" val="0"/>
+              </a:ext>
+            </a:extLst>
+          </a:blip>
+          <a:stretch>
+            <a:fillRect/>
+          </a:stretch>
+        </p:blipFill>
+        <p:spPr>
+          <a:xfrm>
+            <a:off x="611560" y="2060848"/>
+            <a:ext cx="4241800" cy="2946400"/>
+          </a:xfrm>
+        </p:spPr>
+      </p:pic>
+      <p:sp>
+        <p:nvSpPr>
+          <p:cNvPr id="12" name="テキスト ボックス 11">
+            <a:extLst>
+              <a:ext uri="{FF2B5EF4-FFF2-40B4-BE49-F238E27FC236}">
+                <a16:creationId xmlns:a16="http://schemas.microsoft.com/office/drawing/2014/main" id="{141CB763-38E8-3048-903A-A921DD2B814D}"/>
+              </a:ext>
+            </a:extLst>
+          </p:cNvPr>
+          <p:cNvSpPr txBox="1"/>
+          <p:nvPr/>
+        </p:nvSpPr>
+        <p:spPr>
+          <a:xfrm>
+            <a:off x="5148064" y="2414588"/>
+            <a:ext cx="3744416" cy="2677656"/>
+          </a:xfrm>
+          <a:prstGeom prst="rect">
+            <a:avLst/>
+          </a:prstGeom>
+          <a:noFill/>
+        </p:spPr>
+        <p:txBody>
+          <a:bodyPr wrap="square" rtlCol="0">
+            <a:spAutoFit/>
+          </a:bodyPr>
+          <a:lstStyle/>
+          <a:p>
+            <a:pPr marL="285750" indent="-285750">
+              <a:buFont typeface="Arial" panose="020B0604020202020204" pitchFamily="34" charset="0"/>
+              <a:buChar char="•"/>
+            </a:pPr>
+            <a:r>
+              <a:rPr kumimoji="1" lang="ja-JP" altLang="en-US" sz="2400"/>
+              <a:t>先代</a:t>
+            </a:r>
+            <a:endParaRPr kumimoji="1" lang="en-US" altLang="ja-JP" sz="2400" dirty="0"/>
+          </a:p>
+          <a:p>
+            <a:pPr lvl="1"/>
+            <a:r>
+              <a:rPr lang="en-US" altLang="ja-JP" sz="2400" dirty="0"/>
+              <a:t>-jQuery</a:t>
+            </a:r>
+            <a:r>
+              <a:rPr lang="ja-JP" altLang="en-US" sz="2400"/>
+              <a:t>で追加</a:t>
+            </a:r>
+            <a:endParaRPr lang="en-US" altLang="ja-JP" sz="2400" dirty="0"/>
+          </a:p>
+          <a:p>
+            <a:pPr marL="285750" indent="-285750">
+              <a:buFont typeface="Arial" panose="020B0604020202020204" pitchFamily="34" charset="0"/>
+              <a:buChar char="•"/>
+            </a:pPr>
+            <a:endParaRPr kumimoji="1" lang="en-US" altLang="ja-JP" sz="2400" dirty="0"/>
+          </a:p>
+          <a:p>
+            <a:pPr marL="285750" indent="-285750">
+              <a:buFont typeface="Arial" panose="020B0604020202020204" pitchFamily="34" charset="0"/>
+              <a:buChar char="•"/>
+            </a:pPr>
+            <a:r>
+              <a:rPr kumimoji="1" lang="ja-JP" altLang="en-US" sz="2400"/>
+              <a:t>当代</a:t>
+            </a:r>
+            <a:endParaRPr kumimoji="1" lang="en-US" altLang="ja-JP" sz="2400" dirty="0"/>
+          </a:p>
+          <a:p>
+            <a:pPr lvl="1"/>
+            <a:r>
+              <a:rPr lang="en-US" altLang="ja-JP" sz="2400" dirty="0"/>
+              <a:t>-HTML</a:t>
+            </a:r>
+            <a:r>
+              <a:rPr lang="ja-JP" altLang="en-US" sz="2400"/>
+              <a:t>で用意</a:t>
+            </a:r>
+            <a:endParaRPr kumimoji="1" lang="en-US" altLang="ja-JP" sz="2400" dirty="0"/>
+          </a:p>
+          <a:p>
+            <a:pPr lvl="1"/>
+            <a:r>
+              <a:rPr lang="en-US" altLang="ja-JP" sz="2400" dirty="0"/>
+              <a:t>-jQuery</a:t>
+            </a:r>
+            <a:r>
+              <a:rPr lang="ja-JP" altLang="en-US" sz="2400"/>
+              <a:t>で呼び出し</a:t>
+            </a:r>
+            <a:endParaRPr kumimoji="1" lang="en-US" altLang="ja-JP" sz="2400" dirty="0"/>
+          </a:p>
+          <a:p>
+            <a:pPr marL="742950" lvl="1" indent="-285750">
+              <a:buFont typeface="Arial" panose="020B0604020202020204" pitchFamily="34" charset="0"/>
+              <a:buChar char="•"/>
+            </a:pPr>
+            <a:endParaRPr kumimoji="1" lang="en-US" altLang="ja-JP" sz="2400" dirty="0"/>
+          </a:p>
+        </p:txBody>
+      </p:sp>
+    </p:spTree>
+    <p:extLst>
+      <p:ext uri="{BB962C8B-B14F-4D97-AF65-F5344CB8AC3E}">
+        <p14:creationId xmlns:p14="http://schemas.microsoft.com/office/powerpoint/2010/main" val="1028603195"/>
+      </p:ext>
+    </p:extLst>
+  </p:cSld>
+  <p:clrMapOvr>
+    <a:masterClrMapping/>
+  </p:clrMapOvr>
+</p:sld>
+</file>
+
+<file path=ppt/slides/slide6.xml><?xml version="1.0" encoding="utf-8"?>
+<p:sld xmlns:a="http://schemas.openxmlformats.org/drawingml/2006/main" xmlns:r="http://schemas.openxmlformats.org/officeDocument/2006/relationships" xmlns:p="http://schemas.openxmlformats.org/presentationml/2006/main">
+  <p:cSld>
+    <p:spTree>
+      <p:nvGrpSpPr>
+        <p:cNvPr id="1" name=""/>
+        <p:cNvGrpSpPr/>
+        <p:nvPr/>
+      </p:nvGrpSpPr>
+      <p:grpSpPr>
+        <a:xfrm>
+          <a:off x="0" y="0"/>
+          <a:ext cx="0" cy="0"/>
+          <a:chOff x="0" y="0"/>
+          <a:chExt cx="0" cy="0"/>
+        </a:xfrm>
+      </p:grpSpPr>
+      <p:sp>
+        <p:nvSpPr>
+          <p:cNvPr id="2" name="タイトル 1">
+            <a:extLst>
+              <a:ext uri="{FF2B5EF4-FFF2-40B4-BE49-F238E27FC236}">
                 <a16:creationId xmlns:a16="http://schemas.microsoft.com/office/drawing/2014/main" id="{12FAA656-4635-B641-A8DD-FC178F158DB2}"/>
               </a:ext>
             </a:extLst>
@@ -4232,7 +4685,28 @@
           <a:bodyPr/>
           <a:lstStyle/>
           <a:p>
-            <a:endParaRPr kumimoji="1" lang="ja-JP" altLang="en-US"/>
+            <a:r>
+              <a:rPr kumimoji="1" lang="en-US" altLang="ja-JP" dirty="0" err="1"/>
+              <a:t>netJson</a:t>
+            </a:r>
+            <a:endParaRPr kumimoji="1" lang="en-US" altLang="ja-JP" dirty="0"/>
+          </a:p>
+          <a:p>
+            <a:endParaRPr lang="en-US" altLang="ja-JP" dirty="0"/>
+          </a:p>
+          <a:p>
+            <a:r>
+              <a:rPr kumimoji="1" lang="ja-JP" altLang="en-US"/>
+              <a:t>画像と</a:t>
+            </a:r>
+            <a:r>
+              <a:rPr kumimoji="1" lang="en-US" altLang="ja-JP" dirty="0"/>
+              <a:t>LAN</a:t>
+            </a:r>
+            <a:r>
+              <a:rPr kumimoji="1" lang="ja-JP" altLang="en-US"/>
+              <a:t>の関連付け</a:t>
+            </a:r>
           </a:p>
         </p:txBody>
       </p:sp>
@@ -4261,7 +4735,7 @@
             <a:fld id="{CA23F248-F353-4F36-A746-B1953A38AE2D}" type="slidenum">
               <a:rPr lang="ja-JP" altLang="en-US" smtClean="0"/>
               <a:pPr algn="ctr"/>
-              <a:t>4</a:t>
+              <a:t>6</a:t>
             </a:fld>
             <a:endParaRPr lang="ja-JP" altLang="en-US" dirty="0"/>
           </a:p>

--- a/1112進捗.pptx
+++ b/1112進捗.pptx
@@ -5,7 +5,7 @@
     <p:sldMasterId id="2147483648" r:id="rId1"/>
   </p:sldMasterIdLst>
   <p:notesMasterIdLst>
-    <p:notesMasterId r:id="rId8"/>
+    <p:notesMasterId r:id="rId11"/>
   </p:notesMasterIdLst>
   <p:sldIdLst>
     <p:sldId id="256" r:id="rId2"/>
@@ -13,7 +13,10 @@
     <p:sldId id="259" r:id="rId4"/>
     <p:sldId id="260" r:id="rId5"/>
     <p:sldId id="261" r:id="rId6"/>
-    <p:sldId id="258" r:id="rId7"/>
+    <p:sldId id="262" r:id="rId7"/>
+    <p:sldId id="264" r:id="rId8"/>
+    <p:sldId id="263" r:id="rId9"/>
+    <p:sldId id="258" r:id="rId10"/>
   </p:sldIdLst>
   <p:sldSz cx="9144000" cy="6858000" type="screen4x3"/>
   <p:notesSz cx="6858000" cy="9144000"/>
@@ -122,6 +125,9 @@
             <p14:sldId id="259"/>
             <p14:sldId id="260"/>
             <p14:sldId id="261"/>
+            <p14:sldId id="262"/>
+            <p14:sldId id="264"/>
+            <p14:sldId id="263"/>
             <p14:sldId id="258"/>
           </p14:sldIdLst>
         </p14:section>
@@ -3964,7 +3970,7 @@
           <p:cNvPr id="2" name="タイトル 1">
             <a:extLst>
               <a:ext uri="{FF2B5EF4-FFF2-40B4-BE49-F238E27FC236}">
-                <a16:creationId xmlns:a16="http://schemas.microsoft.com/office/drawing/2014/main" id="{E1B6C5A1-AB0A-7D46-A467-CE0F041A8CDD}"/>
+                <a16:creationId xmlns:a16="http://schemas.microsoft.com/office/drawing/2014/main" xmlns="" id="{E1B6C5A1-AB0A-7D46-A467-CE0F041A8CDD}"/>
               </a:ext>
             </a:extLst>
           </p:cNvPr>
@@ -3992,7 +3998,7 @@
           <p:cNvPr id="3" name="コンテンツ プレースホルダー 2">
             <a:extLst>
               <a:ext uri="{FF2B5EF4-FFF2-40B4-BE49-F238E27FC236}">
-                <a16:creationId xmlns:a16="http://schemas.microsoft.com/office/drawing/2014/main" id="{36B6CE0E-697B-AE44-8281-F8683222A930}"/>
+                <a16:creationId xmlns:a16="http://schemas.microsoft.com/office/drawing/2014/main" xmlns="" id="{36B6CE0E-697B-AE44-8281-F8683222A930}"/>
               </a:ext>
             </a:extLst>
           </p:cNvPr>
@@ -4070,7 +4076,7 @@
           <p:cNvPr id="4" name="スライド番号プレースホルダー 3">
             <a:extLst>
               <a:ext uri="{FF2B5EF4-FFF2-40B4-BE49-F238E27FC236}">
-                <a16:creationId xmlns:a16="http://schemas.microsoft.com/office/drawing/2014/main" id="{78442028-99F6-694F-A4E6-EFFCE06FAED5}"/>
+                <a16:creationId xmlns:a16="http://schemas.microsoft.com/office/drawing/2014/main" xmlns="" id="{78442028-99F6-694F-A4E6-EFFCE06FAED5}"/>
               </a:ext>
             </a:extLst>
           </p:cNvPr>
@@ -4131,7 +4137,7 @@
           <p:cNvPr id="2" name="タイトル 1">
             <a:extLst>
               <a:ext uri="{FF2B5EF4-FFF2-40B4-BE49-F238E27FC236}">
-                <a16:creationId xmlns:a16="http://schemas.microsoft.com/office/drawing/2014/main" id="{30390084-DB05-E145-843F-D19D9808C6A2}"/>
+                <a16:creationId xmlns:a16="http://schemas.microsoft.com/office/drawing/2014/main" xmlns="" id="{30390084-DB05-E145-843F-D19D9808C6A2}"/>
               </a:ext>
             </a:extLst>
           </p:cNvPr>
@@ -4159,7 +4165,7 @@
           <p:cNvPr id="3" name="コンテンツ プレースホルダー 2">
             <a:extLst>
               <a:ext uri="{FF2B5EF4-FFF2-40B4-BE49-F238E27FC236}">
-                <a16:creationId xmlns:a16="http://schemas.microsoft.com/office/drawing/2014/main" id="{5DA89499-75D2-8140-95C9-9B4B596E6792}"/>
+                <a16:creationId xmlns:a16="http://schemas.microsoft.com/office/drawing/2014/main" xmlns="" id="{5DA89499-75D2-8140-95C9-9B4B596E6792}"/>
               </a:ext>
             </a:extLst>
           </p:cNvPr>
@@ -4231,7 +4237,7 @@
           <p:cNvPr id="4" name="スライド番号プレースホルダー 3">
             <a:extLst>
               <a:ext uri="{FF2B5EF4-FFF2-40B4-BE49-F238E27FC236}">
-                <a16:creationId xmlns:a16="http://schemas.microsoft.com/office/drawing/2014/main" id="{54D594B4-5873-BC49-B066-833660A8E416}"/>
+                <a16:creationId xmlns:a16="http://schemas.microsoft.com/office/drawing/2014/main" xmlns="" id="{54D594B4-5873-BC49-B066-833660A8E416}"/>
               </a:ext>
             </a:extLst>
           </p:cNvPr>
@@ -4292,7 +4298,7 @@
           <p:cNvPr id="2" name="タイトル 1">
             <a:extLst>
               <a:ext uri="{FF2B5EF4-FFF2-40B4-BE49-F238E27FC236}">
-                <a16:creationId xmlns:a16="http://schemas.microsoft.com/office/drawing/2014/main" id="{223AE7BD-90DC-544B-8A08-307505ECB716}"/>
+                <a16:creationId xmlns:a16="http://schemas.microsoft.com/office/drawing/2014/main" xmlns="" id="{223AE7BD-90DC-544B-8A08-307505ECB716}"/>
               </a:ext>
             </a:extLst>
           </p:cNvPr>
@@ -4320,7 +4326,7 @@
           <p:cNvPr id="6" name="コンテンツ プレースホルダー 5">
             <a:extLst>
               <a:ext uri="{FF2B5EF4-FFF2-40B4-BE49-F238E27FC236}">
-                <a16:creationId xmlns:a16="http://schemas.microsoft.com/office/drawing/2014/main" id="{5C49E655-B5CD-234A-8DE7-FECF0E82A6C3}"/>
+                <a16:creationId xmlns:a16="http://schemas.microsoft.com/office/drawing/2014/main" xmlns="" id="{5C49E655-B5CD-234A-8DE7-FECF0E82A6C3}"/>
               </a:ext>
             </a:extLst>
           </p:cNvPr>
@@ -4355,7 +4361,7 @@
           <p:cNvPr id="4" name="スライド番号プレースホルダー 3">
             <a:extLst>
               <a:ext uri="{FF2B5EF4-FFF2-40B4-BE49-F238E27FC236}">
-                <a16:creationId xmlns:a16="http://schemas.microsoft.com/office/drawing/2014/main" id="{8D1A40CD-94CE-EA4D-9E10-FB2874BFC881}"/>
+                <a16:creationId xmlns:a16="http://schemas.microsoft.com/office/drawing/2014/main" xmlns="" id="{8D1A40CD-94CE-EA4D-9E10-FB2874BFC881}"/>
               </a:ext>
             </a:extLst>
           </p:cNvPr>
@@ -4416,7 +4422,7 @@
           <p:cNvPr id="2" name="タイトル 1">
             <a:extLst>
               <a:ext uri="{FF2B5EF4-FFF2-40B4-BE49-F238E27FC236}">
-                <a16:creationId xmlns:a16="http://schemas.microsoft.com/office/drawing/2014/main" id="{5D838C01-F12B-C44E-95A9-551F29DD0A07}"/>
+                <a16:creationId xmlns:a16="http://schemas.microsoft.com/office/drawing/2014/main" xmlns="" id="{5D838C01-F12B-C44E-95A9-551F29DD0A07}"/>
               </a:ext>
             </a:extLst>
           </p:cNvPr>
@@ -4444,7 +4450,7 @@
           <p:cNvPr id="4" name="スライド番号プレースホルダー 3">
             <a:extLst>
               <a:ext uri="{FF2B5EF4-FFF2-40B4-BE49-F238E27FC236}">
-                <a16:creationId xmlns:a16="http://schemas.microsoft.com/office/drawing/2014/main" id="{7CF60434-FABB-9A4B-929C-9FF9564ADB0C}"/>
+                <a16:creationId xmlns:a16="http://schemas.microsoft.com/office/drawing/2014/main" xmlns="" id="{7CF60434-FABB-9A4B-929C-9FF9564ADB0C}"/>
               </a:ext>
             </a:extLst>
           </p:cNvPr>
@@ -4475,7 +4481,7 @@
           <p:cNvPr id="11" name="コンテンツ プレースホルダー 10">
             <a:extLst>
               <a:ext uri="{FF2B5EF4-FFF2-40B4-BE49-F238E27FC236}">
-                <a16:creationId xmlns:a16="http://schemas.microsoft.com/office/drawing/2014/main" id="{FCA110D9-3544-004E-9A31-BBD154CA5D13}"/>
+                <a16:creationId xmlns:a16="http://schemas.microsoft.com/office/drawing/2014/main" xmlns="" id="{FCA110D9-3544-004E-9A31-BBD154CA5D13}"/>
               </a:ext>
             </a:extLst>
           </p:cNvPr>
@@ -4510,7 +4516,7 @@
           <p:cNvPr id="12" name="テキスト ボックス 11">
             <a:extLst>
               <a:ext uri="{FF2B5EF4-FFF2-40B4-BE49-F238E27FC236}">
-                <a16:creationId xmlns:a16="http://schemas.microsoft.com/office/drawing/2014/main" id="{141CB763-38E8-3048-903A-A921DD2B814D}"/>
+                <a16:creationId xmlns:a16="http://schemas.microsoft.com/office/drawing/2014/main" xmlns="" id="{141CB763-38E8-3048-903A-A921DD2B814D}"/>
               </a:ext>
             </a:extLst>
           </p:cNvPr>
@@ -4638,13 +4644,7 @@
       </p:grpSpPr>
       <p:sp>
         <p:nvSpPr>
-          <p:cNvPr id="2" name="タイトル 1">
-            <a:extLst>
-              <a:ext uri="{FF2B5EF4-FFF2-40B4-BE49-F238E27FC236}">
-                <a16:creationId xmlns:a16="http://schemas.microsoft.com/office/drawing/2014/main" id="{12FAA656-4635-B641-A8DD-FC178F158DB2}"/>
-              </a:ext>
-            </a:extLst>
-          </p:cNvPr>
+          <p:cNvPr id="2" name="タイトル 1"/>
           <p:cNvSpPr>
             <a:spLocks noGrp="1"/>
           </p:cNvSpPr>
@@ -4658,21 +4658,20 @@
           <a:lstStyle/>
           <a:p>
             <a:r>
-              <a:rPr kumimoji="1" lang="ja-JP" altLang="en-US"/>
-              <a:t>課題</a:t>
-            </a:r>
-          </a:p>
-        </p:txBody>
-      </p:sp>
-      <p:sp>
-        <p:nvSpPr>
-          <p:cNvPr id="3" name="コンテンツ プレースホルダー 2">
-            <a:extLst>
-              <a:ext uri="{FF2B5EF4-FFF2-40B4-BE49-F238E27FC236}">
-                <a16:creationId xmlns:a16="http://schemas.microsoft.com/office/drawing/2014/main" id="{170D48BF-27B1-7C43-A652-A38F2AFAA937}"/>
-              </a:ext>
-            </a:extLst>
-          </p:cNvPr>
+              <a:rPr kumimoji="1" lang="en-US" altLang="ja-JP" dirty="0" smtClean="0"/>
+              <a:t>LTI</a:t>
+            </a:r>
+            <a:r>
+              <a:rPr kumimoji="1" lang="ja-JP" altLang="en-US" dirty="0" smtClean="0"/>
+              <a:t>の進捗</a:t>
+            </a:r>
+            <a:endParaRPr kumimoji="1" lang="ja-JP" altLang="en-US" dirty="0"/>
+          </a:p>
+        </p:txBody>
+      </p:sp>
+      <p:sp>
+        <p:nvSpPr>
+          <p:cNvPr id="3" name="コンテンツ プレースホルダー 2"/>
           <p:cNvSpPr>
             <a:spLocks noGrp="1"/>
           </p:cNvSpPr>
@@ -4686,39 +4685,75 @@
           <a:lstStyle/>
           <a:p>
             <a:r>
-              <a:rPr kumimoji="1" lang="en-US" altLang="ja-JP" dirty="0" err="1"/>
-              <a:t>netJson</a:t>
-            </a:r>
-            <a:endParaRPr kumimoji="1" lang="en-US" altLang="ja-JP" dirty="0"/>
-          </a:p>
-          <a:p>
-            <a:endParaRPr lang="en-US" altLang="ja-JP" dirty="0"/>
-          </a:p>
-          <a:p>
-            <a:r>
-              <a:rPr kumimoji="1" lang="ja-JP" altLang="en-US"/>
-              <a:t>画像と</a:t>
-            </a:r>
-            <a:r>
-              <a:rPr kumimoji="1" lang="en-US" altLang="ja-JP" dirty="0"/>
-              <a:t>LAN</a:t>
-            </a:r>
-            <a:r>
-              <a:rPr kumimoji="1" lang="ja-JP" altLang="en-US"/>
-              <a:t>の関連付け</a:t>
-            </a:r>
-          </a:p>
-        </p:txBody>
-      </p:sp>
-      <p:sp>
-        <p:nvSpPr>
-          <p:cNvPr id="4" name="スライド番号プレースホルダー 3">
-            <a:extLst>
-              <a:ext uri="{FF2B5EF4-FFF2-40B4-BE49-F238E27FC236}">
-                <a16:creationId xmlns:a16="http://schemas.microsoft.com/office/drawing/2014/main" id="{3538BCC0-A07B-094F-A581-DB4549FDCC14}"/>
-              </a:ext>
-            </a:extLst>
-          </p:cNvPr>
+              <a:rPr kumimoji="1" lang="en-US" altLang="ja-JP" dirty="0" smtClean="0"/>
+              <a:t>Canvas</a:t>
+            </a:r>
+            <a:r>
+              <a:rPr kumimoji="1" lang="ja-JP" altLang="en-US" dirty="0" smtClean="0"/>
+              <a:t>でシュミレーターが動作することを確認した。</a:t>
+            </a:r>
+            <a:endParaRPr kumimoji="1" lang="en-US" altLang="ja-JP" dirty="0" smtClean="0"/>
+          </a:p>
+          <a:p>
+            <a:endParaRPr kumimoji="1" lang="en-US" altLang="ja-JP" dirty="0" smtClean="0"/>
+          </a:p>
+          <a:p>
+            <a:r>
+              <a:rPr lang="en-US" altLang="ja-JP" dirty="0" smtClean="0"/>
+              <a:t>Moodle</a:t>
+            </a:r>
+            <a:r>
+              <a:rPr lang="ja-JP" altLang="en-US" dirty="0" smtClean="0"/>
+              <a:t>でも確認しようとしたが、</a:t>
+            </a:r>
+            <a:r>
+              <a:rPr lang="en-US" altLang="ja-JP" dirty="0" err="1" smtClean="0"/>
+              <a:t>moodle</a:t>
+            </a:r>
+            <a:r>
+              <a:rPr lang="ja-JP" altLang="en-US" dirty="0" smtClean="0"/>
+              <a:t>は</a:t>
+            </a:r>
+            <a:r>
+              <a:rPr lang="en-US" altLang="ja-JP" dirty="0" smtClean="0"/>
+              <a:t>DB</a:t>
+            </a:r>
+            <a:r>
+              <a:rPr lang="ja-JP" altLang="en-US" dirty="0" smtClean="0"/>
+              <a:t>のエラーで起動できなかった。</a:t>
+            </a:r>
+            <a:endParaRPr lang="en-US" altLang="ja-JP" dirty="0" smtClean="0"/>
+          </a:p>
+          <a:p>
+            <a:endParaRPr kumimoji="1" lang="en-US" altLang="ja-JP" dirty="0" smtClean="0"/>
+          </a:p>
+          <a:p>
+            <a:r>
+              <a:rPr kumimoji="1" lang="en-US" altLang="ja-JP" dirty="0" smtClean="0"/>
+              <a:t>LTI tutorial</a:t>
+            </a:r>
+            <a:r>
+              <a:rPr kumimoji="1" lang="ja-JP" altLang="en-US" dirty="0" smtClean="0"/>
+              <a:t>が最後の</a:t>
+            </a:r>
+            <a:r>
+              <a:rPr kumimoji="1" lang="en-US" altLang="ja-JP" dirty="0" smtClean="0"/>
+              <a:t>step</a:t>
+            </a:r>
+            <a:r>
+              <a:rPr kumimoji="1" lang="ja-JP" altLang="en-US" dirty="0" smtClean="0"/>
+              <a:t>に差し掛かった。</a:t>
+            </a:r>
+            <a:endParaRPr kumimoji="1" lang="en-US" altLang="ja-JP" dirty="0" smtClean="0"/>
+          </a:p>
+          <a:p>
+            <a:endParaRPr kumimoji="1" lang="ja-JP" altLang="en-US" dirty="0"/>
+          </a:p>
+        </p:txBody>
+      </p:sp>
+      <p:sp>
+        <p:nvSpPr>
+          <p:cNvPr id="4" name="スライド番号プレースホルダー 3"/>
           <p:cNvSpPr>
             <a:spLocks noGrp="1"/>
           </p:cNvSpPr>
@@ -4736,6 +4771,437 @@
               <a:rPr lang="ja-JP" altLang="en-US" smtClean="0"/>
               <a:pPr algn="ctr"/>
               <a:t>6</a:t>
+            </a:fld>
+            <a:endParaRPr lang="ja-JP" altLang="en-US" dirty="0"/>
+          </a:p>
+        </p:txBody>
+      </p:sp>
+    </p:spTree>
+    <p:extLst>
+      <p:ext uri="{BB962C8B-B14F-4D97-AF65-F5344CB8AC3E}">
+        <p14:creationId xmlns:p14="http://schemas.microsoft.com/office/powerpoint/2010/main" val="47163832"/>
+      </p:ext>
+    </p:extLst>
+  </p:cSld>
+  <p:clrMapOvr>
+    <a:masterClrMapping/>
+  </p:clrMapOvr>
+</p:sld>
+</file>
+
+<file path=ppt/slides/slide7.xml><?xml version="1.0" encoding="utf-8"?>
+<p:sld xmlns:a="http://schemas.openxmlformats.org/drawingml/2006/main" xmlns:r="http://schemas.openxmlformats.org/officeDocument/2006/relationships" xmlns:p="http://schemas.openxmlformats.org/presentationml/2006/main">
+  <p:cSld>
+    <p:spTree>
+      <p:nvGrpSpPr>
+        <p:cNvPr id="1" name=""/>
+        <p:cNvGrpSpPr/>
+        <p:nvPr/>
+      </p:nvGrpSpPr>
+      <p:grpSpPr>
+        <a:xfrm>
+          <a:off x="0" y="0"/>
+          <a:ext cx="0" cy="0"/>
+          <a:chOff x="0" y="0"/>
+          <a:chExt cx="0" cy="0"/>
+        </a:xfrm>
+      </p:grpSpPr>
+      <p:sp>
+        <p:nvSpPr>
+          <p:cNvPr id="2" name="タイトル 1"/>
+          <p:cNvSpPr>
+            <a:spLocks noGrp="1"/>
+          </p:cNvSpPr>
+          <p:nvPr>
+            <p:ph type="title"/>
+          </p:nvPr>
+        </p:nvSpPr>
+        <p:spPr/>
+        <p:txBody>
+          <a:bodyPr/>
+          <a:lstStyle/>
+          <a:p>
+            <a:r>
+              <a:rPr kumimoji="1" lang="en-US" altLang="ja-JP" dirty="0" smtClean="0"/>
+              <a:t>Canvas</a:t>
+            </a:r>
+            <a:r>
+              <a:rPr kumimoji="1" lang="ja-JP" altLang="en-US" dirty="0" smtClean="0"/>
+              <a:t>での起動</a:t>
+            </a:r>
+            <a:endParaRPr kumimoji="1" lang="ja-JP" altLang="en-US" dirty="0"/>
+          </a:p>
+        </p:txBody>
+      </p:sp>
+      <p:pic>
+        <p:nvPicPr>
+          <p:cNvPr id="5" name="コンテンツ プレースホルダー 4"/>
+          <p:cNvPicPr>
+            <a:picLocks noGrp="1" noChangeAspect="1"/>
+          </p:cNvPicPr>
+          <p:nvPr>
+            <p:ph idx="1"/>
+          </p:nvPr>
+        </p:nvPicPr>
+        <p:blipFill>
+          <a:blip r:embed="rId2">
+            <a:extLst>
+              <a:ext uri="{28A0092B-C50C-407E-A947-70E740481C1C}">
+                <a14:useLocalDpi xmlns:a14="http://schemas.microsoft.com/office/drawing/2010/main" val="0"/>
+              </a:ext>
+            </a:extLst>
+          </a:blip>
+          <a:stretch>
+            <a:fillRect/>
+          </a:stretch>
+        </p:blipFill>
+        <p:spPr>
+          <a:xfrm>
+            <a:off x="457200" y="1268760"/>
+            <a:ext cx="8229600" cy="4776996"/>
+          </a:xfrm>
+        </p:spPr>
+      </p:pic>
+      <p:sp>
+        <p:nvSpPr>
+          <p:cNvPr id="4" name="スライド番号プレースホルダー 3"/>
+          <p:cNvSpPr>
+            <a:spLocks noGrp="1"/>
+          </p:cNvSpPr>
+          <p:nvPr>
+            <p:ph type="sldNum" sz="quarter" idx="12"/>
+          </p:nvPr>
+        </p:nvSpPr>
+        <p:spPr/>
+        <p:txBody>
+          <a:bodyPr/>
+          <a:lstStyle/>
+          <a:p>
+            <a:pPr algn="ctr"/>
+            <a:fld id="{CA23F248-F353-4F36-A746-B1953A38AE2D}" type="slidenum">
+              <a:rPr lang="ja-JP" altLang="en-US" smtClean="0"/>
+              <a:pPr algn="ctr"/>
+              <a:t>7</a:t>
+            </a:fld>
+            <a:endParaRPr lang="ja-JP" altLang="en-US" dirty="0"/>
+          </a:p>
+        </p:txBody>
+      </p:sp>
+    </p:spTree>
+    <p:extLst>
+      <p:ext uri="{BB962C8B-B14F-4D97-AF65-F5344CB8AC3E}">
+        <p14:creationId xmlns:p14="http://schemas.microsoft.com/office/powerpoint/2010/main" val="1009023629"/>
+      </p:ext>
+    </p:extLst>
+  </p:cSld>
+  <p:clrMapOvr>
+    <a:masterClrMapping/>
+  </p:clrMapOvr>
+</p:sld>
+</file>
+
+<file path=ppt/slides/slide8.xml><?xml version="1.0" encoding="utf-8"?>
+<p:sld xmlns:a="http://schemas.openxmlformats.org/drawingml/2006/main" xmlns:r="http://schemas.openxmlformats.org/officeDocument/2006/relationships" xmlns:p="http://schemas.openxmlformats.org/presentationml/2006/main">
+  <p:cSld>
+    <p:spTree>
+      <p:nvGrpSpPr>
+        <p:cNvPr id="1" name=""/>
+        <p:cNvGrpSpPr/>
+        <p:nvPr/>
+      </p:nvGrpSpPr>
+      <p:grpSpPr>
+        <a:xfrm>
+          <a:off x="0" y="0"/>
+          <a:ext cx="0" cy="0"/>
+          <a:chOff x="0" y="0"/>
+          <a:chExt cx="0" cy="0"/>
+        </a:xfrm>
+      </p:grpSpPr>
+      <p:sp>
+        <p:nvSpPr>
+          <p:cNvPr id="2" name="タイトル 1"/>
+          <p:cNvSpPr>
+            <a:spLocks noGrp="1"/>
+          </p:cNvSpPr>
+          <p:nvPr>
+            <p:ph type="title"/>
+          </p:nvPr>
+        </p:nvSpPr>
+        <p:spPr/>
+        <p:txBody>
+          <a:bodyPr>
+            <a:normAutofit/>
+          </a:bodyPr>
+          <a:lstStyle/>
+          <a:p>
+            <a:r>
+              <a:rPr kumimoji="1" lang="en-US" altLang="ja-JP" dirty="0" smtClean="0"/>
+              <a:t>tutorial</a:t>
+            </a:r>
+            <a:r>
+              <a:rPr kumimoji="1" lang="ja-JP" altLang="en-US" dirty="0" smtClean="0"/>
+              <a:t>最終章</a:t>
+            </a:r>
+            <a:endParaRPr kumimoji="1" lang="ja-JP" altLang="en-US" dirty="0"/>
+          </a:p>
+        </p:txBody>
+      </p:sp>
+      <p:sp>
+        <p:nvSpPr>
+          <p:cNvPr id="3" name="コンテンツ プレースホルダー 2"/>
+          <p:cNvSpPr>
+            <a:spLocks noGrp="1"/>
+          </p:cNvSpPr>
+          <p:nvPr>
+            <p:ph idx="1"/>
+          </p:nvPr>
+        </p:nvSpPr>
+        <p:spPr/>
+        <p:txBody>
+          <a:bodyPr/>
+          <a:lstStyle/>
+          <a:p>
+            <a:r>
+              <a:rPr kumimoji="1" lang="ja-JP" altLang="en-US" dirty="0" smtClean="0"/>
+              <a:t>成績やテストの点数などの受け渡しについてやっている。</a:t>
+            </a:r>
+            <a:endParaRPr kumimoji="1" lang="en-US" altLang="ja-JP" dirty="0" smtClean="0"/>
+          </a:p>
+          <a:p>
+            <a:endParaRPr lang="en-US" altLang="ja-JP" dirty="0"/>
+          </a:p>
+          <a:p>
+            <a:r>
+              <a:rPr kumimoji="1" lang="ja-JP" altLang="en-US" dirty="0" smtClean="0"/>
+              <a:t>受け渡しの際</a:t>
+            </a:r>
+            <a:r>
+              <a:rPr lang="ja-JP" altLang="en-US" dirty="0" smtClean="0"/>
+              <a:t>、</a:t>
+            </a:r>
+            <a:r>
+              <a:rPr lang="en-US" altLang="ja-JP" dirty="0" smtClean="0"/>
+              <a:t>post</a:t>
+            </a:r>
+            <a:r>
+              <a:rPr lang="ja-JP" altLang="en-US" dirty="0" smtClean="0"/>
+              <a:t>リクエストで</a:t>
+            </a:r>
+            <a:r>
+              <a:rPr lang="en-US" altLang="ja-JP" dirty="0" smtClean="0"/>
+              <a:t>body</a:t>
+            </a:r>
+            <a:r>
+              <a:rPr lang="ja-JP" altLang="en-US" dirty="0" smtClean="0"/>
+              <a:t>に</a:t>
+            </a:r>
+            <a:r>
+              <a:rPr lang="en-US" altLang="ja-JP" dirty="0" smtClean="0"/>
+              <a:t>xml</a:t>
+            </a:r>
+            <a:r>
+              <a:rPr lang="ja-JP" altLang="en-US" dirty="0" smtClean="0"/>
+              <a:t>を埋め込むという形で渡す</a:t>
+            </a:r>
+            <a:r>
+              <a:rPr lang="en-US" altLang="ja-JP" dirty="0" smtClean="0"/>
+              <a:t/>
+            </a:r>
+            <a:br>
+              <a:rPr lang="en-US" altLang="ja-JP" dirty="0" smtClean="0"/>
+            </a:br>
+            <a:endParaRPr kumimoji="1" lang="ja-JP" altLang="en-US" dirty="0"/>
+          </a:p>
+        </p:txBody>
+      </p:sp>
+      <p:sp>
+        <p:nvSpPr>
+          <p:cNvPr id="4" name="スライド番号プレースホルダー 3"/>
+          <p:cNvSpPr>
+            <a:spLocks noGrp="1"/>
+          </p:cNvSpPr>
+          <p:nvPr>
+            <p:ph type="sldNum" sz="quarter" idx="12"/>
+          </p:nvPr>
+        </p:nvSpPr>
+        <p:spPr/>
+        <p:txBody>
+          <a:bodyPr/>
+          <a:lstStyle/>
+          <a:p>
+            <a:pPr algn="ctr"/>
+            <a:fld id="{CA23F248-F353-4F36-A746-B1953A38AE2D}" type="slidenum">
+              <a:rPr lang="ja-JP" altLang="en-US" smtClean="0"/>
+              <a:pPr algn="ctr"/>
+              <a:t>8</a:t>
+            </a:fld>
+            <a:endParaRPr lang="ja-JP" altLang="en-US" dirty="0"/>
+          </a:p>
+        </p:txBody>
+      </p:sp>
+    </p:spTree>
+    <p:extLst>
+      <p:ext uri="{BB962C8B-B14F-4D97-AF65-F5344CB8AC3E}">
+        <p14:creationId xmlns:p14="http://schemas.microsoft.com/office/powerpoint/2010/main" val="981090858"/>
+      </p:ext>
+    </p:extLst>
+  </p:cSld>
+  <p:clrMapOvr>
+    <a:masterClrMapping/>
+  </p:clrMapOvr>
+</p:sld>
+</file>
+
+<file path=ppt/slides/slide9.xml><?xml version="1.0" encoding="utf-8"?>
+<p:sld xmlns:a="http://schemas.openxmlformats.org/drawingml/2006/main" xmlns:r="http://schemas.openxmlformats.org/officeDocument/2006/relationships" xmlns:p="http://schemas.openxmlformats.org/presentationml/2006/main">
+  <p:cSld>
+    <p:spTree>
+      <p:nvGrpSpPr>
+        <p:cNvPr id="1" name=""/>
+        <p:cNvGrpSpPr/>
+        <p:nvPr/>
+      </p:nvGrpSpPr>
+      <p:grpSpPr>
+        <a:xfrm>
+          <a:off x="0" y="0"/>
+          <a:ext cx="0" cy="0"/>
+          <a:chOff x="0" y="0"/>
+          <a:chExt cx="0" cy="0"/>
+        </a:xfrm>
+      </p:grpSpPr>
+      <p:sp>
+        <p:nvSpPr>
+          <p:cNvPr id="2" name="タイトル 1">
+            <a:extLst>
+              <a:ext uri="{FF2B5EF4-FFF2-40B4-BE49-F238E27FC236}">
+                <a16:creationId xmlns:a16="http://schemas.microsoft.com/office/drawing/2014/main" xmlns="" id="{12FAA656-4635-B641-A8DD-FC178F158DB2}"/>
+              </a:ext>
+            </a:extLst>
+          </p:cNvPr>
+          <p:cNvSpPr>
+            <a:spLocks noGrp="1"/>
+          </p:cNvSpPr>
+          <p:nvPr>
+            <p:ph type="title"/>
+          </p:nvPr>
+        </p:nvSpPr>
+        <p:spPr/>
+        <p:txBody>
+          <a:bodyPr/>
+          <a:lstStyle/>
+          <a:p>
+            <a:r>
+              <a:rPr kumimoji="1" lang="ja-JP" altLang="en-US"/>
+              <a:t>課題</a:t>
+            </a:r>
+          </a:p>
+        </p:txBody>
+      </p:sp>
+      <p:sp>
+        <p:nvSpPr>
+          <p:cNvPr id="3" name="コンテンツ プレースホルダー 2">
+            <a:extLst>
+              <a:ext uri="{FF2B5EF4-FFF2-40B4-BE49-F238E27FC236}">
+                <a16:creationId xmlns:a16="http://schemas.microsoft.com/office/drawing/2014/main" xmlns="" id="{170D48BF-27B1-7C43-A652-A38F2AFAA937}"/>
+              </a:ext>
+            </a:extLst>
+          </p:cNvPr>
+          <p:cNvSpPr>
+            <a:spLocks noGrp="1"/>
+          </p:cNvSpPr>
+          <p:nvPr>
+            <p:ph idx="1"/>
+          </p:nvPr>
+        </p:nvSpPr>
+        <p:spPr/>
+        <p:txBody>
+          <a:bodyPr/>
+          <a:lstStyle/>
+          <a:p>
+            <a:r>
+              <a:rPr kumimoji="1" lang="en-US" altLang="ja-JP" dirty="0" err="1"/>
+              <a:t>netJson</a:t>
+            </a:r>
+            <a:endParaRPr kumimoji="1" lang="en-US" altLang="ja-JP" dirty="0"/>
+          </a:p>
+          <a:p>
+            <a:endParaRPr lang="en-US" altLang="ja-JP" dirty="0"/>
+          </a:p>
+          <a:p>
+            <a:r>
+              <a:rPr kumimoji="1" lang="ja-JP" altLang="en-US" dirty="0"/>
+              <a:t>画像と</a:t>
+            </a:r>
+            <a:r>
+              <a:rPr kumimoji="1" lang="en-US" altLang="ja-JP" dirty="0"/>
+              <a:t>LAN</a:t>
+            </a:r>
+            <a:r>
+              <a:rPr kumimoji="1" lang="ja-JP" altLang="en-US" dirty="0"/>
+              <a:t>の</a:t>
+            </a:r>
+            <a:r>
+              <a:rPr kumimoji="1" lang="ja-JP" altLang="en-US" dirty="0" smtClean="0"/>
+              <a:t>関連付け</a:t>
+            </a:r>
+            <a:endParaRPr kumimoji="1" lang="en-US" altLang="ja-JP" dirty="0" smtClean="0"/>
+          </a:p>
+          <a:p>
+            <a:endParaRPr lang="en-US" altLang="ja-JP" dirty="0"/>
+          </a:p>
+          <a:p>
+            <a:r>
+              <a:rPr lang="en-US" altLang="ja-JP" dirty="0" smtClean="0"/>
+              <a:t>LTI tutorial</a:t>
+            </a:r>
+            <a:r>
+              <a:rPr lang="ja-JP" altLang="en-US" dirty="0" smtClean="0"/>
+              <a:t>の完遂</a:t>
+            </a:r>
+            <a:endParaRPr lang="en-US" altLang="ja-JP" dirty="0" smtClean="0"/>
+          </a:p>
+          <a:p>
+            <a:endParaRPr kumimoji="1" lang="en-US" altLang="ja-JP" dirty="0"/>
+          </a:p>
+          <a:p>
+            <a:r>
+              <a:rPr lang="en-US" altLang="ja-JP" dirty="0" smtClean="0"/>
+              <a:t>Moodle</a:t>
+            </a:r>
+            <a:r>
+              <a:rPr lang="ja-JP" altLang="en-US" dirty="0" smtClean="0"/>
+              <a:t>の起動</a:t>
+            </a:r>
+            <a:endParaRPr kumimoji="1" lang="ja-JP" altLang="en-US" dirty="0"/>
+          </a:p>
+        </p:txBody>
+      </p:sp>
+      <p:sp>
+        <p:nvSpPr>
+          <p:cNvPr id="4" name="スライド番号プレースホルダー 3">
+            <a:extLst>
+              <a:ext uri="{FF2B5EF4-FFF2-40B4-BE49-F238E27FC236}">
+                <a16:creationId xmlns:a16="http://schemas.microsoft.com/office/drawing/2014/main" xmlns="" id="{3538BCC0-A07B-094F-A581-DB4549FDCC14}"/>
+              </a:ext>
+            </a:extLst>
+          </p:cNvPr>
+          <p:cNvSpPr>
+            <a:spLocks noGrp="1"/>
+          </p:cNvSpPr>
+          <p:nvPr>
+            <p:ph type="sldNum" sz="quarter" idx="12"/>
+          </p:nvPr>
+        </p:nvSpPr>
+        <p:spPr/>
+        <p:txBody>
+          <a:bodyPr/>
+          <a:lstStyle/>
+          <a:p>
+            <a:pPr algn="ctr"/>
+            <a:fld id="{CA23F248-F353-4F36-A746-B1953A38AE2D}" type="slidenum">
+              <a:rPr lang="ja-JP" altLang="en-US" smtClean="0"/>
+              <a:pPr algn="ctr"/>
+              <a:t>9</a:t>
             </a:fld>
             <a:endParaRPr lang="ja-JP" altLang="en-US" dirty="0"/>
           </a:p>

--- a/1112進捗.pptx
+++ b/1112進捗.pptx
@@ -527,6 +527,105 @@
     </a:lvl9pPr>
   </p:notesStyle>
 </p:notesMaster>
+</file>
+
+<file path=ppt/notesSlides/notesSlide1.xml><?xml version="1.0" encoding="utf-8"?>
+<p:notes xmlns:a="http://schemas.openxmlformats.org/drawingml/2006/main" xmlns:r="http://schemas.openxmlformats.org/officeDocument/2006/relationships" xmlns:p="http://schemas.openxmlformats.org/presentationml/2006/main">
+  <p:cSld>
+    <p:spTree>
+      <p:nvGrpSpPr>
+        <p:cNvPr id="1" name=""/>
+        <p:cNvGrpSpPr/>
+        <p:nvPr/>
+      </p:nvGrpSpPr>
+      <p:grpSpPr>
+        <a:xfrm>
+          <a:off x="0" y="0"/>
+          <a:ext cx="0" cy="0"/>
+          <a:chOff x="0" y="0"/>
+          <a:chExt cx="0" cy="0"/>
+        </a:xfrm>
+      </p:grpSpPr>
+      <p:sp>
+        <p:nvSpPr>
+          <p:cNvPr id="2" name="スライド イメージ プレースホルダー 1"/>
+          <p:cNvSpPr>
+            <a:spLocks noGrp="1" noRot="1" noChangeAspect="1"/>
+          </p:cNvSpPr>
+          <p:nvPr>
+            <p:ph type="sldImg"/>
+          </p:nvPr>
+        </p:nvSpPr>
+        <p:spPr/>
+      </p:sp>
+      <p:sp>
+        <p:nvSpPr>
+          <p:cNvPr id="3" name="ノート プレースホルダー 2"/>
+          <p:cNvSpPr>
+            <a:spLocks noGrp="1"/>
+          </p:cNvSpPr>
+          <p:nvPr>
+            <p:ph type="body" idx="1"/>
+          </p:nvPr>
+        </p:nvSpPr>
+        <p:spPr/>
+        <p:txBody>
+          <a:bodyPr/>
+          <a:lstStyle/>
+          <a:p>
+            <a:r>
+              <a:rPr kumimoji="1" lang="en-US" altLang="ja-JP" dirty="0"/>
+              <a:t>PC</a:t>
+            </a:r>
+            <a:r>
+              <a:rPr kumimoji="1" lang="ja-JP" altLang="en-US"/>
+              <a:t>とルータの違いが思ったより少なかった→２つ用意する必要ない？、　入力された値を初期値として呼び出すためには</a:t>
+            </a:r>
+            <a:r>
+              <a:rPr kumimoji="1" lang="en-US" altLang="ja-JP" dirty="0"/>
+              <a:t>jQuery</a:t>
+            </a:r>
+            <a:r>
+              <a:rPr kumimoji="1" lang="ja-JP" altLang="en-US"/>
+              <a:t>で追加したほうがいい？</a:t>
+            </a:r>
+          </a:p>
+        </p:txBody>
+      </p:sp>
+      <p:sp>
+        <p:nvSpPr>
+          <p:cNvPr id="4" name="スライド番号プレースホルダー 3"/>
+          <p:cNvSpPr>
+            <a:spLocks noGrp="1"/>
+          </p:cNvSpPr>
+          <p:nvPr>
+            <p:ph type="sldNum" sz="quarter" idx="5"/>
+          </p:nvPr>
+        </p:nvSpPr>
+        <p:spPr/>
+        <p:txBody>
+          <a:bodyPr/>
+          <a:lstStyle/>
+          <a:p>
+            <a:fld id="{11C3B0B9-599D-43DE-835D-2976AC58AA40}" type="slidenum">
+              <a:rPr kumimoji="1" lang="ja-JP" altLang="en-US" smtClean="0"/>
+              <a:t>5</a:t>
+            </a:fld>
+            <a:endParaRPr kumimoji="1" lang="ja-JP" altLang="en-US"/>
+          </a:p>
+        </p:txBody>
+      </p:sp>
+    </p:spTree>
+    <p:extLst>
+      <p:ext uri="{BB962C8B-B14F-4D97-AF65-F5344CB8AC3E}">
+        <p14:creationId xmlns:p14="http://schemas.microsoft.com/office/powerpoint/2010/main" val="35092912"/>
+      </p:ext>
+    </p:extLst>
+  </p:cSld>
+  <p:clrMapOvr>
+    <a:masterClrMapping/>
+  </p:clrMapOvr>
+</p:notes>
 </file>
 
 <file path=ppt/slideLayouts/slideLayout1.xml><?xml version="1.0" encoding="utf-8"?>
@@ -4487,7 +4586,7 @@
           </p:nvPr>
         </p:nvPicPr>
         <p:blipFill>
-          <a:blip r:embed="rId2">
+          <a:blip r:embed="rId3">
             <a:extLst>
               <a:ext uri="{28A0092B-C50C-407E-A947-70E740481C1C}">
                 <a14:useLocalDpi xmlns:a14="http://schemas.microsoft.com/office/drawing/2010/main" val="0"/>

--- a/1112進捗.pptx
+++ b/1112進捗.pptx
@@ -533,6 +533,116 @@
     </a:lvl9pPr>
   </p:notesStyle>
 </p:notesMaster>
+</file>
+
+<file path=ppt/notesSlides/notesSlide1.xml><?xml version="1.0" encoding="utf-8"?>
+<p:notes xmlns:a="http://schemas.openxmlformats.org/drawingml/2006/main" xmlns:r="http://schemas.openxmlformats.org/officeDocument/2006/relationships" xmlns:p="http://schemas.openxmlformats.org/presentationml/2006/main">
+  <p:cSld>
+    <p:spTree>
+      <p:nvGrpSpPr>
+        <p:cNvPr id="1" name=""/>
+        <p:cNvGrpSpPr/>
+        <p:nvPr/>
+      </p:nvGrpSpPr>
+      <p:grpSpPr>
+        <a:xfrm>
+          <a:off x="0" y="0"/>
+          <a:ext cx="0" cy="0"/>
+          <a:chOff x="0" y="0"/>
+          <a:chExt cx="0" cy="0"/>
+        </a:xfrm>
+      </p:grpSpPr>
+      <p:sp>
+        <p:nvSpPr>
+          <p:cNvPr id="2" name="スライド イメージ プレースホルダー 1"/>
+          <p:cNvSpPr>
+            <a:spLocks noGrp="1" noRot="1" noChangeAspect="1"/>
+          </p:cNvSpPr>
+          <p:nvPr>
+            <p:ph type="sldImg"/>
+          </p:nvPr>
+        </p:nvSpPr>
+        <p:spPr/>
+      </p:sp>
+      <p:sp>
+        <p:nvSpPr>
+          <p:cNvPr id="3" name="ノート プレースホルダー 2"/>
+          <p:cNvSpPr>
+            <a:spLocks noGrp="1"/>
+          </p:cNvSpPr>
+          <p:nvPr>
+            <p:ph type="body" idx="1"/>
+          </p:nvPr>
+        </p:nvSpPr>
+        <p:spPr/>
+        <p:txBody>
+          <a:bodyPr/>
+          <a:lstStyle/>
+          <a:p>
+            <a:r>
+              <a:rPr kumimoji="1" lang="en-US" altLang="ja-JP" dirty="0"/>
+              <a:t>PC</a:t>
+            </a:r>
+            <a:r>
+              <a:rPr kumimoji="1" lang="ja-JP" altLang="en-US"/>
+              <a:t>とルータで違いが思ったより少ない→２つ用意する必要ない？、　入力された値を初期値として呼び出すためには</a:t>
+            </a:r>
+            <a:r>
+              <a:rPr kumimoji="1" lang="en-US" altLang="ja-JP" dirty="0"/>
+              <a:t>jQuery</a:t>
+            </a:r>
+            <a:r>
+              <a:rPr kumimoji="1" lang="ja-JP" altLang="en-US"/>
+              <a:t>で追加したほうがいい？</a:t>
+            </a:r>
+            <a:endParaRPr kumimoji="1" lang="en-US" altLang="ja-JP" dirty="0"/>
+          </a:p>
+          <a:p>
+            <a:endParaRPr kumimoji="1" lang="en-US" altLang="ja-JP" dirty="0"/>
+          </a:p>
+          <a:p>
+            <a:r>
+              <a:rPr kumimoji="1" lang="en-US" altLang="ja-JP" dirty="0" err="1"/>
+              <a:t>nfs</a:t>
+            </a:r>
+            <a:endParaRPr kumimoji="1" lang="ja-JP" altLang="en-US"/>
+          </a:p>
+        </p:txBody>
+      </p:sp>
+      <p:sp>
+        <p:nvSpPr>
+          <p:cNvPr id="4" name="スライド番号プレースホルダー 3"/>
+          <p:cNvSpPr>
+            <a:spLocks noGrp="1"/>
+          </p:cNvSpPr>
+          <p:nvPr>
+            <p:ph type="sldNum" sz="quarter" idx="5"/>
+          </p:nvPr>
+        </p:nvSpPr>
+        <p:spPr/>
+        <p:txBody>
+          <a:bodyPr/>
+          <a:lstStyle/>
+          <a:p>
+            <a:fld id="{11C3B0B9-599D-43DE-835D-2976AC58AA40}" type="slidenum">
+              <a:rPr kumimoji="1" lang="ja-JP" altLang="en-US" smtClean="0"/>
+              <a:t>5</a:t>
+            </a:fld>
+            <a:endParaRPr kumimoji="1" lang="ja-JP" altLang="en-US"/>
+          </a:p>
+        </p:txBody>
+      </p:sp>
+    </p:spTree>
+    <p:extLst>
+      <p:ext uri="{BB962C8B-B14F-4D97-AF65-F5344CB8AC3E}">
+        <p14:creationId xmlns:p14="http://schemas.microsoft.com/office/powerpoint/2010/main" val="2047140810"/>
+      </p:ext>
+    </p:extLst>
+  </p:cSld>
+  <p:clrMapOvr>
+    <a:masterClrMapping/>
+  </p:clrMapOvr>
+</p:notes>
 </file>
 
 <file path=ppt/slideLayouts/slideLayout1.xml><?xml version="1.0" encoding="utf-8"?>
@@ -4493,7 +4603,7 @@
           </p:nvPr>
         </p:nvPicPr>
         <p:blipFill>
-          <a:blip r:embed="rId2">
+          <a:blip r:embed="rId3">
             <a:extLst>
               <a:ext uri="{28A0092B-C50C-407E-A947-70E740481C1C}">
                 <a14:useLocalDpi xmlns:a14="http://schemas.microsoft.com/office/drawing/2010/main" val="0"/>
